--- a/Week_3/Week 3 - .pptx
+++ b/Week_3/Week 3 - .pptx
@@ -213,7 +213,7 @@
           <a:p>
             <a:fld id="{09486072-084E-41D7-83CA-56817DCFE473}" type="datetimeFigureOut">
               <a:rPr lang="zh-TW" altLang="en-US" smtClean="0"/>
-              <a:t>2015/10/7</a:t>
+              <a:t>2015/10/8</a:t>
             </a:fld>
             <a:endParaRPr lang="zh-TW" altLang="en-US"/>
           </a:p>
@@ -623,7 +623,7 @@
           <a:p>
             <a:fld id="{5119D4BB-3483-46F3-B1F8-7E2BD083D0AF}" type="datetimeFigureOut">
               <a:rPr lang="zh-TW" altLang="en-US" smtClean="0"/>
-              <a:t>2015/10/7</a:t>
+              <a:t>2015/10/8</a:t>
             </a:fld>
             <a:endParaRPr lang="zh-TW" altLang="en-US"/>
           </a:p>
@@ -793,7 +793,7 @@
           <a:p>
             <a:fld id="{5119D4BB-3483-46F3-B1F8-7E2BD083D0AF}" type="datetimeFigureOut">
               <a:rPr lang="zh-TW" altLang="en-US" smtClean="0"/>
-              <a:t>2015/10/7</a:t>
+              <a:t>2015/10/8</a:t>
             </a:fld>
             <a:endParaRPr lang="zh-TW" altLang="en-US"/>
           </a:p>
@@ -973,7 +973,7 @@
           <a:p>
             <a:fld id="{5119D4BB-3483-46F3-B1F8-7E2BD083D0AF}" type="datetimeFigureOut">
               <a:rPr lang="zh-TW" altLang="en-US" smtClean="0"/>
-              <a:t>2015/10/7</a:t>
+              <a:t>2015/10/8</a:t>
             </a:fld>
             <a:endParaRPr lang="zh-TW" altLang="en-US"/>
           </a:p>
@@ -1143,7 +1143,7 @@
           <a:p>
             <a:fld id="{5119D4BB-3483-46F3-B1F8-7E2BD083D0AF}" type="datetimeFigureOut">
               <a:rPr lang="zh-TW" altLang="en-US" smtClean="0"/>
-              <a:t>2015/10/7</a:t>
+              <a:t>2015/10/8</a:t>
             </a:fld>
             <a:endParaRPr lang="zh-TW" altLang="en-US"/>
           </a:p>
@@ -1394,7 +1394,7 @@
           <a:p>
             <a:fld id="{5119D4BB-3483-46F3-B1F8-7E2BD083D0AF}" type="datetimeFigureOut">
               <a:rPr lang="zh-TW" altLang="en-US" smtClean="0"/>
-              <a:t>2015/10/7</a:t>
+              <a:t>2015/10/8</a:t>
             </a:fld>
             <a:endParaRPr lang="zh-TW" altLang="en-US"/>
           </a:p>
@@ -1626,7 +1626,7 @@
           <a:p>
             <a:fld id="{5119D4BB-3483-46F3-B1F8-7E2BD083D0AF}" type="datetimeFigureOut">
               <a:rPr lang="zh-TW" altLang="en-US" smtClean="0"/>
-              <a:t>2015/10/7</a:t>
+              <a:t>2015/10/8</a:t>
             </a:fld>
             <a:endParaRPr lang="zh-TW" altLang="en-US"/>
           </a:p>
@@ -1973,7 +1973,7 @@
           <a:p>
             <a:fld id="{5119D4BB-3483-46F3-B1F8-7E2BD083D0AF}" type="datetimeFigureOut">
               <a:rPr lang="zh-TW" altLang="en-US" smtClean="0"/>
-              <a:t>2015/10/7</a:t>
+              <a:t>2015/10/8</a:t>
             </a:fld>
             <a:endParaRPr lang="zh-TW" altLang="en-US"/>
           </a:p>
@@ -2091,7 +2091,7 @@
           <a:p>
             <a:fld id="{5119D4BB-3483-46F3-B1F8-7E2BD083D0AF}" type="datetimeFigureOut">
               <a:rPr lang="zh-TW" altLang="en-US" smtClean="0"/>
-              <a:t>2015/10/7</a:t>
+              <a:t>2015/10/8</a:t>
             </a:fld>
             <a:endParaRPr lang="zh-TW" altLang="en-US"/>
           </a:p>
@@ -2209,7 +2209,7 @@
           <a:p>
             <a:fld id="{5119D4BB-3483-46F3-B1F8-7E2BD083D0AF}" type="datetimeFigureOut">
               <a:rPr lang="zh-TW" altLang="en-US" smtClean="0"/>
-              <a:t>2015/10/7</a:t>
+              <a:t>2015/10/8</a:t>
             </a:fld>
             <a:endParaRPr lang="zh-TW" altLang="en-US"/>
           </a:p>
@@ -2493,7 +2493,7 @@
           <a:p>
             <a:fld id="{5119D4BB-3483-46F3-B1F8-7E2BD083D0AF}" type="datetimeFigureOut">
               <a:rPr lang="zh-TW" altLang="en-US" smtClean="0"/>
-              <a:t>2015/10/7</a:t>
+              <a:t>2015/10/8</a:t>
             </a:fld>
             <a:endParaRPr lang="zh-TW" altLang="en-US"/>
           </a:p>
@@ -2757,7 +2757,7 @@
           <a:p>
             <a:fld id="{5119D4BB-3483-46F3-B1F8-7E2BD083D0AF}" type="datetimeFigureOut">
               <a:rPr lang="zh-TW" altLang="en-US" smtClean="0"/>
-              <a:t>2015/10/7</a:t>
+              <a:t>2015/10/8</a:t>
             </a:fld>
             <a:endParaRPr lang="zh-TW" altLang="en-US"/>
           </a:p>
@@ -2971,7 +2971,7 @@
           <a:p>
             <a:fld id="{5119D4BB-3483-46F3-B1F8-7E2BD083D0AF}" type="datetimeFigureOut">
               <a:rPr lang="zh-TW" altLang="en-US" smtClean="0"/>
-              <a:t>2015/10/7</a:t>
+              <a:t>2015/10/8</a:t>
             </a:fld>
             <a:endParaRPr lang="zh-TW" altLang="en-US"/>
           </a:p>
@@ -3382,15 +3382,7 @@
           <a:p>
             <a:r>
               <a:rPr lang="en-US" altLang="zh-TW" dirty="0" smtClean="0"/>
-              <a:t>Week </a:t>
-            </a:r>
-            <a:r>
-              <a:rPr lang="en-US" altLang="zh-TW" dirty="0" smtClean="0"/>
-              <a:t>3 </a:t>
-            </a:r>
-            <a:r>
-              <a:rPr lang="en-US" altLang="zh-TW" dirty="0" smtClean="0"/>
-              <a:t>– </a:t>
+              <a:t>Week 3 – </a:t>
             </a:r>
             <a:br>
               <a:rPr lang="en-US" altLang="zh-TW" dirty="0" smtClean="0"/>
@@ -3540,7 +3532,7 @@
           <a:graphicData uri="http://schemas.openxmlformats.org/presentationml/2006/ole">
             <mc:AlternateContent xmlns:mc="http://schemas.openxmlformats.org/markup-compatibility/2006">
               <mc:Choice xmlns:v="urn:schemas-microsoft-com:vml" Requires="v">
-                <p:oleObj spid="_x0000_s5125" name="點陣圖影像" r:id="rId3" imgW="4495238" imgH="4067743" progId="Paint.Picture">
+                <p:oleObj spid="_x0000_s5127" name="點陣圖影像" r:id="rId3" imgW="4495238" imgH="4067743" progId="Paint.Picture">
                   <p:embed/>
                 </p:oleObj>
               </mc:Choice>
@@ -4311,20 +4303,20 @@
           <p:nvPr>
             <p:extLst>
               <p:ext uri="{D42A27DB-BD31-4B8C-83A1-F6EECF244321}">
-                <p14:modId xmlns:p14="http://schemas.microsoft.com/office/powerpoint/2010/main" val="1682524429"/>
+                <p14:modId xmlns:p14="http://schemas.microsoft.com/office/powerpoint/2010/main" val="1702754949"/>
               </p:ext>
             </p:extLst>
           </p:nvPr>
         </p:nvGraphicFramePr>
         <p:xfrm>
-          <a:off x="4745239" y="1522293"/>
+          <a:off x="4745239" y="1533444"/>
           <a:ext cx="6615488" cy="4657844"/>
         </p:xfrm>
         <a:graphic>
           <a:graphicData uri="http://schemas.openxmlformats.org/presentationml/2006/ole">
             <mc:AlternateContent xmlns:mc="http://schemas.openxmlformats.org/markup-compatibility/2006">
               <mc:Choice xmlns:v="urn:schemas-microsoft-com:vml" Requires="v">
-                <p:oleObj spid="_x0000_s6149" r:id="rId3" imgW="4667760" imgH="3285720" progId="">
+                <p:oleObj spid="_x0000_s6151" r:id="rId3" imgW="4667760" imgH="3285720" progId="">
                   <p:embed/>
                 </p:oleObj>
               </mc:Choice>
@@ -4354,7 +4346,7 @@
                     </p:blipFill>
                     <p:spPr bwMode="auto">
                       <a:xfrm>
-                        <a:off x="4745239" y="1522293"/>
+                        <a:off x="4745239" y="1533444"/>
                         <a:ext cx="6615488" cy="4657844"/>
                       </a:xfrm>
                       <a:prstGeom prst="rect">
@@ -4712,7 +4704,19 @@
             <a:pPr lvl="1"/>
             <a:r>
               <a:rPr lang="zh-TW" altLang="en-US" dirty="0" smtClean="0"/>
-              <a:t>請做防呆。</a:t>
+              <a:t>請做防</a:t>
+            </a:r>
+            <a:r>
+              <a:rPr lang="zh-TW" altLang="en-US" dirty="0"/>
+              <a:t>呆，通知使用者 </a:t>
+            </a:r>
+            <a:r>
+              <a:rPr lang="en-US" altLang="zh-TW" dirty="0"/>
+              <a:t>stack </a:t>
+            </a:r>
+            <a:r>
+              <a:rPr lang="zh-TW" altLang="en-US" dirty="0"/>
+              <a:t>滿了或為空。</a:t>
             </a:r>
             <a:endParaRPr lang="en-US" altLang="zh-TW" dirty="0" smtClean="0"/>
           </a:p>
@@ -4895,7 +4899,19 @@
             <a:pPr lvl="1"/>
             <a:r>
               <a:rPr lang="zh-TW" altLang="en-US" dirty="0" smtClean="0"/>
-              <a:t>請做防呆。</a:t>
+              <a:t>請做防</a:t>
+            </a:r>
+            <a:r>
+              <a:rPr lang="zh-TW" altLang="en-US" dirty="0"/>
+              <a:t>呆，通知使用者 </a:t>
+            </a:r>
+            <a:r>
+              <a:rPr lang="en-US" altLang="zh-TW" dirty="0"/>
+              <a:t>queue </a:t>
+            </a:r>
+            <a:r>
+              <a:rPr lang="zh-TW" altLang="en-US"/>
+              <a:t>滿了或為空。</a:t>
             </a:r>
             <a:endParaRPr lang="en-US" altLang="zh-TW" dirty="0"/>
           </a:p>
@@ -5168,8 +5184,21 @@
             <a:pPr lvl="1"/>
             <a:r>
               <a:rPr lang="zh-TW" altLang="en-US" dirty="0"/>
-              <a:t>請做防呆。</a:t>
-            </a:r>
+              <a:t>請做防</a:t>
+            </a:r>
+            <a:r>
+              <a:rPr lang="zh-TW" altLang="en-US" dirty="0" smtClean="0"/>
+              <a:t>呆，通知使用者 </a:t>
+            </a:r>
+            <a:r>
+              <a:rPr lang="en-US" altLang="zh-TW" dirty="0" smtClean="0"/>
+              <a:t>stack </a:t>
+            </a:r>
+            <a:r>
+              <a:rPr lang="zh-TW" altLang="en-US" dirty="0" smtClean="0"/>
+              <a:t>滿了或為空。</a:t>
+            </a:r>
+            <a:endParaRPr lang="zh-TW" altLang="en-US" dirty="0"/>
           </a:p>
           <a:p>
             <a:pPr lvl="1"/>
@@ -5292,7 +5321,27 @@
             <a:pPr lvl="1"/>
             <a:r>
               <a:rPr lang="zh-TW" altLang="en-US" dirty="0"/>
-              <a:t>請做防呆。</a:t>
+              <a:t>請做防呆，通知</a:t>
+            </a:r>
+            <a:r>
+              <a:rPr lang="zh-TW" altLang="en-US" dirty="0" smtClean="0"/>
+              <a:t>使用者</a:t>
+            </a:r>
+            <a:r>
+              <a:rPr lang="zh-TW" altLang="en-US" dirty="0"/>
+              <a:t> </a:t>
+            </a:r>
+            <a:r>
+              <a:rPr lang="en-US" altLang="zh-TW" dirty="0" smtClean="0"/>
+              <a:t>queue </a:t>
+            </a:r>
+            <a:r>
+              <a:rPr lang="zh-TW" altLang="en-US" dirty="0" smtClean="0"/>
+              <a:t>滿</a:t>
+            </a:r>
+            <a:r>
+              <a:rPr lang="zh-TW" altLang="en-US" dirty="0"/>
+              <a:t>了或為空。</a:t>
             </a:r>
           </a:p>
           <a:p>
@@ -5408,7 +5457,15 @@
             <a:pPr lvl="1"/>
             <a:r>
               <a:rPr lang="zh-TW" altLang="en-US" dirty="0"/>
-              <a:t>使得資料進出堆疊時產生「後進先出</a:t>
+              <a:t>使得資料進出堆疊時產生「</a:t>
+            </a:r>
+            <a:r>
+              <a:rPr lang="zh-TW" altLang="en-US" dirty="0">
+                <a:solidFill>
+                  <a:srgbClr val="FF0000"/>
+                </a:solidFill>
+              </a:rPr>
+              <a:t>後進先出</a:t>
             </a:r>
             <a:r>
               <a:rPr lang="zh-TW" altLang="en-US" dirty="0" smtClean="0"/>
@@ -5470,7 +5527,7 @@
           <a:graphicData uri="http://schemas.openxmlformats.org/presentationml/2006/ole">
             <mc:AlternateContent xmlns:mc="http://schemas.openxmlformats.org/markup-compatibility/2006">
               <mc:Choice xmlns:v="urn:schemas-microsoft-com:vml" Requires="v">
-                <p:oleObj spid="_x0000_s1030" r:id="rId3" imgW="1534320" imgH="1980000" progId="">
+                <p:oleObj spid="_x0000_s1032" r:id="rId3" imgW="1534320" imgH="1980000" progId="">
                   <p:embed/>
                 </p:oleObj>
               </mc:Choice>
@@ -6352,7 +6409,7 @@
           <a:graphicData uri="http://schemas.openxmlformats.org/presentationml/2006/ole">
             <mc:AlternateContent xmlns:mc="http://schemas.openxmlformats.org/markup-compatibility/2006">
               <mc:Choice xmlns:v="urn:schemas-microsoft-com:vml" Requires="v">
-                <p:oleObj spid="_x0000_s2056" name="點陣圖影像" r:id="rId3" imgW="4580952" imgH="3200000" progId="Paint.Picture">
+                <p:oleObj spid="_x0000_s2058" name="點陣圖影像" r:id="rId3" imgW="4580952" imgH="3200000" progId="Paint.Picture">
                   <p:embed/>
                 </p:oleObj>
               </mc:Choice>
@@ -6797,7 +6854,7 @@
           <a:graphicData uri="http://schemas.openxmlformats.org/presentationml/2006/ole">
             <mc:AlternateContent xmlns:mc="http://schemas.openxmlformats.org/markup-compatibility/2006">
               <mc:Choice xmlns:v="urn:schemas-microsoft-com:vml" Requires="v">
-                <p:oleObj spid="_x0000_s3082" name="點陣圖影像" r:id="rId3" imgW="3753374" imgH="3142857" progId="Paint.Picture">
+                <p:oleObj spid="_x0000_s3086" name="點陣圖影像" r:id="rId3" imgW="3753374" imgH="3142857" progId="Paint.Picture">
                   <p:embed/>
                 </p:oleObj>
               </mc:Choice>
@@ -6868,7 +6925,7 @@
           <a:graphicData uri="http://schemas.openxmlformats.org/presentationml/2006/ole">
             <mc:AlternateContent xmlns:mc="http://schemas.openxmlformats.org/markup-compatibility/2006">
               <mc:Choice xmlns:v="urn:schemas-microsoft-com:vml" Requires="v">
-                <p:oleObj spid="_x0000_s3083" name="點陣圖影像" r:id="rId5" imgW="3772427" imgH="2381582" progId="Paint.Picture">
+                <p:oleObj spid="_x0000_s3087" name="點陣圖影像" r:id="rId5" imgW="3772427" imgH="2381582" progId="Paint.Picture">
                   <p:embed/>
                 </p:oleObj>
               </mc:Choice>
@@ -7081,7 +7138,7 @@
           <a:graphicData uri="http://schemas.openxmlformats.org/presentationml/2006/ole">
             <mc:AlternateContent xmlns:mc="http://schemas.openxmlformats.org/markup-compatibility/2006">
               <mc:Choice xmlns:v="urn:schemas-microsoft-com:vml" Requires="v">
-                <p:oleObj spid="_x0000_s4102" r:id="rId3" imgW="3077280" imgH="1001520" progId="">
+                <p:oleObj spid="_x0000_s4104" r:id="rId3" imgW="3077280" imgH="1001520" progId="">
                   <p:embed/>
                 </p:oleObj>
               </mc:Choice>
